--- a/PROJECT PRESENTATION.pptx
+++ b/PROJECT PRESENTATION.pptx
@@ -6,10 +6,12 @@
   </p:sldMasterIdLst>
   <p:sldIdLst>
     <p:sldId id="257" r:id="rId2"/>
-    <p:sldId id="258" r:id="rId3"/>
-    <p:sldId id="259" r:id="rId4"/>
-    <p:sldId id="260" r:id="rId5"/>
-    <p:sldId id="263" r:id="rId6"/>
+    <p:sldId id="264" r:id="rId3"/>
+    <p:sldId id="258" r:id="rId4"/>
+    <p:sldId id="259" r:id="rId5"/>
+    <p:sldId id="260" r:id="rId6"/>
+    <p:sldId id="265" r:id="rId7"/>
+    <p:sldId id="263" r:id="rId8"/>
   </p:sldIdLst>
   <p:sldSz cx="12192000" cy="6858000"/>
   <p:notesSz cx="6858000" cy="9144000"/>
@@ -108,6 +110,11 @@
       </a:defRPr>
     </a:lvl9pPr>
   </p:defaultTextStyle>
+  <p:extLst>
+    <p:ext uri="{EFAFB233-063F-42B5-8137-9DF3F51BA10A}">
+      <p15:sldGuideLst xmlns:p15="http://schemas.microsoft.com/office/powerpoint/2012/main"/>
+    </p:ext>
+  </p:extLst>
 </p:presentation>
 </file>
 
@@ -258,7 +265,7 @@
           <a:p>
             <a:fld id="{0E8CBEF1-3915-4B54-84BF-B078DFD6AA8B}" type="datetimeFigureOut">
               <a:rPr lang="en-US" smtClean="0"/>
-              <a:t>12/28/2024</a:t>
+              <a:t>12/29/2024</a:t>
             </a:fld>
             <a:endParaRPr lang="en-US"/>
           </a:p>
@@ -456,7 +463,7 @@
           <a:p>
             <a:fld id="{0E8CBEF1-3915-4B54-84BF-B078DFD6AA8B}" type="datetimeFigureOut">
               <a:rPr lang="en-US" smtClean="0"/>
-              <a:t>12/28/2024</a:t>
+              <a:t>12/29/2024</a:t>
             </a:fld>
             <a:endParaRPr lang="en-US"/>
           </a:p>
@@ -664,7 +671,7 @@
           <a:p>
             <a:fld id="{0E8CBEF1-3915-4B54-84BF-B078DFD6AA8B}" type="datetimeFigureOut">
               <a:rPr lang="en-US" smtClean="0"/>
-              <a:t>12/28/2024</a:t>
+              <a:t>12/29/2024</a:t>
             </a:fld>
             <a:endParaRPr lang="en-US"/>
           </a:p>
@@ -862,7 +869,7 @@
           <a:p>
             <a:fld id="{0E8CBEF1-3915-4B54-84BF-B078DFD6AA8B}" type="datetimeFigureOut">
               <a:rPr lang="en-US" smtClean="0"/>
-              <a:t>12/28/2024</a:t>
+              <a:t>12/29/2024</a:t>
             </a:fld>
             <a:endParaRPr lang="en-US"/>
           </a:p>
@@ -1137,7 +1144,7 @@
           <a:p>
             <a:fld id="{0E8CBEF1-3915-4B54-84BF-B078DFD6AA8B}" type="datetimeFigureOut">
               <a:rPr lang="en-US" smtClean="0"/>
-              <a:t>12/28/2024</a:t>
+              <a:t>12/29/2024</a:t>
             </a:fld>
             <a:endParaRPr lang="en-US"/>
           </a:p>
@@ -1402,7 +1409,7 @@
           <a:p>
             <a:fld id="{0E8CBEF1-3915-4B54-84BF-B078DFD6AA8B}" type="datetimeFigureOut">
               <a:rPr lang="en-US" smtClean="0"/>
-              <a:t>12/28/2024</a:t>
+              <a:t>12/29/2024</a:t>
             </a:fld>
             <a:endParaRPr lang="en-US"/>
           </a:p>
@@ -1814,7 +1821,7 @@
           <a:p>
             <a:fld id="{0E8CBEF1-3915-4B54-84BF-B078DFD6AA8B}" type="datetimeFigureOut">
               <a:rPr lang="en-US" smtClean="0"/>
-              <a:t>12/28/2024</a:t>
+              <a:t>12/29/2024</a:t>
             </a:fld>
             <a:endParaRPr lang="en-US"/>
           </a:p>
@@ -1955,7 +1962,7 @@
           <a:p>
             <a:fld id="{0E8CBEF1-3915-4B54-84BF-B078DFD6AA8B}" type="datetimeFigureOut">
               <a:rPr lang="en-US" smtClean="0"/>
-              <a:t>12/28/2024</a:t>
+              <a:t>12/29/2024</a:t>
             </a:fld>
             <a:endParaRPr lang="en-US"/>
           </a:p>
@@ -2068,7 +2075,7 @@
           <a:p>
             <a:fld id="{0E8CBEF1-3915-4B54-84BF-B078DFD6AA8B}" type="datetimeFigureOut">
               <a:rPr lang="en-US" smtClean="0"/>
-              <a:t>12/28/2024</a:t>
+              <a:t>12/29/2024</a:t>
             </a:fld>
             <a:endParaRPr lang="en-US"/>
           </a:p>
@@ -2379,7 +2386,7 @@
           <a:p>
             <a:fld id="{0E8CBEF1-3915-4B54-84BF-B078DFD6AA8B}" type="datetimeFigureOut">
               <a:rPr lang="en-US" smtClean="0"/>
-              <a:t>12/28/2024</a:t>
+              <a:t>12/29/2024</a:t>
             </a:fld>
             <a:endParaRPr lang="en-US"/>
           </a:p>
@@ -2667,7 +2674,7 @@
           <a:p>
             <a:fld id="{0E8CBEF1-3915-4B54-84BF-B078DFD6AA8B}" type="datetimeFigureOut">
               <a:rPr lang="en-US" smtClean="0"/>
-              <a:t>12/28/2024</a:t>
+              <a:t>12/29/2024</a:t>
             </a:fld>
             <a:endParaRPr lang="en-US"/>
           </a:p>
@@ -2908,7 +2915,7 @@
           <a:p>
             <a:fld id="{0E8CBEF1-3915-4B54-84BF-B078DFD6AA8B}" type="datetimeFigureOut">
               <a:rPr lang="en-US" smtClean="0"/>
-              <a:t>12/28/2024</a:t>
+              <a:t>12/29/2024</a:t>
             </a:fld>
             <a:endParaRPr lang="en-US"/>
           </a:p>
@@ -3463,139 +3470,136 @@
           <a:chExt cx="0" cy="0"/>
         </a:xfrm>
       </p:grpSpPr>
-      <p:sp>
-        <p:nvSpPr>
-          <p:cNvPr id="2" name="Title 1">
-            <a:extLst>
-              <a:ext uri="{FF2B5EF4-FFF2-40B4-BE49-F238E27FC236}">
-                <a16:creationId xmlns:a16="http://schemas.microsoft.com/office/drawing/2014/main" id="{5F359B4D-4456-43E6-8E63-C0822FB977BD}"/>
-              </a:ext>
-            </a:extLst>
-          </p:cNvPr>
-          <p:cNvSpPr>
-            <a:spLocks noGrp="1"/>
-          </p:cNvSpPr>
-          <p:nvPr>
-            <p:ph type="title"/>
-          </p:nvPr>
-        </p:nvSpPr>
-        <p:spPr>
-          <a:xfrm>
-            <a:off x="838200" y="365125"/>
-            <a:ext cx="10515600" cy="1039605"/>
-          </a:xfrm>
-        </p:spPr>
-        <p:txBody>
-          <a:bodyPr>
-            <a:normAutofit/>
-          </a:bodyPr>
-          <a:lstStyle/>
-          <a:p>
-            <a:pPr algn="ctr"/>
-            <a:r>
-              <a:rPr lang="en-US" sz="4000" b="1" dirty="0"/>
-              <a:t>KPIs(Key performance indicator)</a:t>
-            </a:r>
-          </a:p>
-        </p:txBody>
-      </p:sp>
-      <p:sp>
-        <p:nvSpPr>
-          <p:cNvPr id="3" name="Content Placeholder 2">
-            <a:extLst>
-              <a:ext uri="{FF2B5EF4-FFF2-40B4-BE49-F238E27FC236}">
-                <a16:creationId xmlns:a16="http://schemas.microsoft.com/office/drawing/2014/main" id="{2F3FDDBC-3161-4E14-8F88-17CEDBC734D2}"/>
-              </a:ext>
-            </a:extLst>
-          </p:cNvPr>
-          <p:cNvSpPr>
-            <a:spLocks noGrp="1"/>
-          </p:cNvSpPr>
-          <p:nvPr>
-            <p:ph idx="1"/>
-          </p:nvPr>
-        </p:nvSpPr>
-        <p:spPr/>
-        <p:txBody>
-          <a:bodyPr/>
-          <a:lstStyle/>
-          <a:p>
-            <a:r>
-              <a:rPr lang="en-US" dirty="0" err="1"/>
-              <a:t>Kpis</a:t>
-            </a:r>
-            <a:r>
-              <a:rPr lang="en-US" dirty="0"/>
-              <a:t> use for checking the goals.</a:t>
-            </a:r>
-          </a:p>
-          <a:p>
-            <a:r>
-              <a:rPr lang="en-US" dirty="0"/>
-              <a:t>First </a:t>
-            </a:r>
-            <a:r>
-              <a:rPr lang="en-US" dirty="0" err="1"/>
-              <a:t>kpi</a:t>
-            </a:r>
-            <a:r>
-              <a:rPr lang="en-US" dirty="0"/>
-              <a:t> is for Total customers</a:t>
-            </a:r>
-          </a:p>
-          <a:p>
-            <a:r>
-              <a:rPr lang="en-US" dirty="0"/>
-              <a:t>Second </a:t>
-            </a:r>
-            <a:r>
-              <a:rPr lang="en-US" dirty="0" err="1"/>
-              <a:t>kpi</a:t>
-            </a:r>
-            <a:r>
-              <a:rPr lang="en-US" dirty="0"/>
-              <a:t> is for total sales</a:t>
-            </a:r>
-          </a:p>
-          <a:p>
-            <a:r>
-              <a:rPr lang="en-US" dirty="0"/>
-              <a:t>Third </a:t>
-            </a:r>
-            <a:r>
-              <a:rPr lang="en-US" dirty="0" err="1"/>
-              <a:t>kpi</a:t>
-            </a:r>
-            <a:r>
-              <a:rPr lang="en-US" dirty="0"/>
-              <a:t> is for Total </a:t>
-            </a:r>
-            <a:r>
-              <a:rPr lang="en-US" dirty="0" err="1"/>
-              <a:t>transaactions</a:t>
-            </a:r>
-            <a:endParaRPr lang="en-US" dirty="0"/>
-          </a:p>
-          <a:p>
-            <a:r>
-              <a:rPr lang="en-US" dirty="0"/>
-              <a:t>Fourth </a:t>
-            </a:r>
-            <a:r>
-              <a:rPr lang="en-US" dirty="0" err="1"/>
-              <a:t>kpi</a:t>
-            </a:r>
-            <a:r>
-              <a:rPr lang="en-US" dirty="0"/>
-              <a:t> is for Average of delivery time</a:t>
-            </a:r>
-          </a:p>
-        </p:txBody>
-      </p:sp>
+      <p:graphicFrame>
+        <p:nvGraphicFramePr>
+          <p:cNvPr id="2" name="Object 1">
+            <a:extLst>
+              <a:ext uri="{FF2B5EF4-FFF2-40B4-BE49-F238E27FC236}">
+                <a16:creationId xmlns:a16="http://schemas.microsoft.com/office/drawing/2014/main" id="{1FE556AE-919E-4A7E-9D8D-F58910343700}"/>
+              </a:ext>
+            </a:extLst>
+          </p:cNvPr>
+          <p:cNvGraphicFramePr>
+            <a:graphicFrameLocks noChangeAspect="1"/>
+          </p:cNvGraphicFramePr>
+          <p:nvPr>
+            <p:extLst>
+              <p:ext uri="{D42A27DB-BD31-4B8C-83A1-F6EECF244321}">
+                <p14:modId xmlns:p14="http://schemas.microsoft.com/office/powerpoint/2010/main" val="846399977"/>
+              </p:ext>
+            </p:extLst>
+          </p:nvPr>
+        </p:nvGraphicFramePr>
+        <p:xfrm>
+          <a:off x="3432313" y="1689928"/>
+          <a:ext cx="1702904" cy="1344820"/>
+        </p:xfrm>
+        <a:graphic>
+          <a:graphicData uri="http://schemas.openxmlformats.org/presentationml/2006/ole">
+            <mc:AlternateContent xmlns:mc="http://schemas.openxmlformats.org/markup-compatibility/2006">
+              <mc:Choice xmlns:v="urn:schemas-microsoft-com:vml" Requires="v">
+                <p:oleObj spid="_x0000_s1026" name="Macro-Enabled Worksheet" showAsIcon="1" r:id="rId3" imgW="914400" imgH="771480" progId="Excel.SheetMacroEnabled.12">
+                  <p:embed/>
+                </p:oleObj>
+              </mc:Choice>
+              <mc:Fallback>
+                <p:oleObj name="Macro-Enabled Worksheet" showAsIcon="1" r:id="rId3" imgW="914400" imgH="771480" progId="Excel.SheetMacroEnabled.12">
+                  <p:embed/>
+                  <p:pic>
+                    <p:nvPicPr>
+                      <p:cNvPr id="0" name=""/>
+                      <p:cNvPicPr/>
+                      <p:nvPr/>
+                    </p:nvPicPr>
+                    <p:blipFill>
+                      <a:blip r:embed="rId4"/>
+                      <a:stretch>
+                        <a:fillRect/>
+                      </a:stretch>
+                    </p:blipFill>
+                    <p:spPr>
+                      <a:xfrm>
+                        <a:off x="3432313" y="1689928"/>
+                        <a:ext cx="1702904" cy="1344820"/>
+                      </a:xfrm>
+                      <a:prstGeom prst="rect">
+                        <a:avLst/>
+                      </a:prstGeom>
+                    </p:spPr>
+                  </p:pic>
+                </p:oleObj>
+              </mc:Fallback>
+            </mc:AlternateContent>
+          </a:graphicData>
+        </a:graphic>
+      </p:graphicFrame>
+      <p:graphicFrame>
+        <p:nvGraphicFramePr>
+          <p:cNvPr id="3" name="Object 2">
+            <a:extLst>
+              <a:ext uri="{FF2B5EF4-FFF2-40B4-BE49-F238E27FC236}">
+                <a16:creationId xmlns:a16="http://schemas.microsoft.com/office/drawing/2014/main" id="{BA41B23D-2862-4970-8AD3-40A03D6EC36C}"/>
+              </a:ext>
+            </a:extLst>
+          </p:cNvPr>
+          <p:cNvGraphicFramePr>
+            <a:graphicFrameLocks noChangeAspect="1"/>
+          </p:cNvGraphicFramePr>
+          <p:nvPr>
+            <p:extLst>
+              <p:ext uri="{D42A27DB-BD31-4B8C-83A1-F6EECF244321}">
+                <p14:modId xmlns:p14="http://schemas.microsoft.com/office/powerpoint/2010/main" val="1311232975"/>
+              </p:ext>
+            </p:extLst>
+          </p:nvPr>
+        </p:nvGraphicFramePr>
+        <p:xfrm>
+          <a:off x="6327912" y="3174171"/>
+          <a:ext cx="1729409" cy="1424333"/>
+        </p:xfrm>
+        <a:graphic>
+          <a:graphicData uri="http://schemas.openxmlformats.org/presentationml/2006/ole">
+            <mc:AlternateContent xmlns:mc="http://schemas.openxmlformats.org/markup-compatibility/2006">
+              <mc:Choice xmlns:v="urn:schemas-microsoft-com:vml" Requires="v">
+                <p:oleObj spid="_x0000_s1027" name="Packager Shell Object" showAsIcon="1" r:id="rId5" imgW="914400" imgH="771480" progId="Package">
+                  <p:embed/>
+                </p:oleObj>
+              </mc:Choice>
+              <mc:Fallback>
+                <p:oleObj name="Packager Shell Object" showAsIcon="1" r:id="rId5" imgW="914400" imgH="771480" progId="Package">
+                  <p:embed/>
+                  <p:pic>
+                    <p:nvPicPr>
+                      <p:cNvPr id="0" name=""/>
+                      <p:cNvPicPr/>
+                      <p:nvPr/>
+                    </p:nvPicPr>
+                    <p:blipFill>
+                      <a:blip r:embed="rId6"/>
+                      <a:stretch>
+                        <a:fillRect/>
+                      </a:stretch>
+                    </p:blipFill>
+                    <p:spPr>
+                      <a:xfrm>
+                        <a:off x="6327912" y="3174171"/>
+                        <a:ext cx="1729409" cy="1424333"/>
+                      </a:xfrm>
+                      <a:prstGeom prst="rect">
+                        <a:avLst/>
+                      </a:prstGeom>
+                    </p:spPr>
+                  </p:pic>
+                </p:oleObj>
+              </mc:Fallback>
+            </mc:AlternateContent>
+          </a:graphicData>
+        </a:graphic>
+      </p:graphicFrame>
     </p:spTree>
     <p:extLst>
       <p:ext uri="{BB962C8B-B14F-4D97-AF65-F5344CB8AC3E}">
-        <p14:creationId xmlns:p14="http://schemas.microsoft.com/office/powerpoint/2010/main" val="1934747468"/>
+        <p14:creationId xmlns:p14="http://schemas.microsoft.com/office/powerpoint/2010/main" val="2836670326"/>
       </p:ext>
     </p:extLst>
   </p:cSld>
@@ -3627,7 +3631,7 @@
           <p:cNvPr id="2" name="Title 1">
             <a:extLst>
               <a:ext uri="{FF2B5EF4-FFF2-40B4-BE49-F238E27FC236}">
-                <a16:creationId xmlns:a16="http://schemas.microsoft.com/office/drawing/2014/main" id="{954B60D2-2828-4F2D-BD6B-0A7DBA4EAC8C}"/>
+                <a16:creationId xmlns:a16="http://schemas.microsoft.com/office/drawing/2014/main" id="{5F359B4D-4456-43E6-8E63-C0822FB977BD}"/>
               </a:ext>
             </a:extLst>
           </p:cNvPr>
@@ -3641,7 +3645,7 @@
         <p:spPr>
           <a:xfrm>
             <a:off x="838200" y="365125"/>
-            <a:ext cx="10515600" cy="986597"/>
+            <a:ext cx="10515600" cy="1039605"/>
           </a:xfrm>
         </p:spPr>
         <p:txBody>
@@ -3653,7 +3657,7 @@
             <a:pPr algn="ctr"/>
             <a:r>
               <a:rPr lang="en-US" sz="4000" b="1" dirty="0"/>
-              <a:t>SLICERS</a:t>
+              <a:t>KPIs(Key performance indicator)</a:t>
             </a:r>
           </a:p>
         </p:txBody>
@@ -3663,7 +3667,7 @@
           <p:cNvPr id="3" name="Content Placeholder 2">
             <a:extLst>
               <a:ext uri="{FF2B5EF4-FFF2-40B4-BE49-F238E27FC236}">
-                <a16:creationId xmlns:a16="http://schemas.microsoft.com/office/drawing/2014/main" id="{2CEAA1DB-23EB-4C9F-A02F-B4DED6710B53}"/>
+                <a16:creationId xmlns:a16="http://schemas.microsoft.com/office/drawing/2014/main" id="{2F3FDDBC-3161-4E14-8F88-17CEDBC734D2}"/>
               </a:ext>
             </a:extLst>
           </p:cNvPr>
@@ -3680,20 +3684,73 @@
           <a:lstStyle/>
           <a:p>
             <a:r>
+              <a:rPr lang="en-US" dirty="0" err="1"/>
+              <a:t>Kpis</a:t>
+            </a:r>
+            <a:r>
               <a:rPr lang="en-US" dirty="0"/>
-              <a:t>First slicer is for product name</a:t>
+              <a:t> use for checking the goals.</a:t>
             </a:r>
           </a:p>
           <a:p>
             <a:r>
               <a:rPr lang="en-US" dirty="0"/>
-              <a:t>Second slicer is for location</a:t>
-            </a:r>
-          </a:p>
-          <a:p>
+              <a:t>First </a:t>
+            </a:r>
+            <a:r>
+              <a:rPr lang="en-US" dirty="0" err="1"/>
+              <a:t>kpi</a:t>
+            </a:r>
             <a:r>
               <a:rPr lang="en-US" dirty="0"/>
-              <a:t>Third slicer is for gift wrap</a:t>
+              <a:t> is for Total customers</a:t>
+            </a:r>
+          </a:p>
+          <a:p>
+            <a:r>
+              <a:rPr lang="en-US" dirty="0"/>
+              <a:t>Second </a:t>
+            </a:r>
+            <a:r>
+              <a:rPr lang="en-US" dirty="0" err="1"/>
+              <a:t>kpi</a:t>
+            </a:r>
+            <a:r>
+              <a:rPr lang="en-US" dirty="0"/>
+              <a:t> is for total sales</a:t>
+            </a:r>
+          </a:p>
+          <a:p>
+            <a:r>
+              <a:rPr lang="en-US" dirty="0"/>
+              <a:t>Third </a:t>
+            </a:r>
+            <a:r>
+              <a:rPr lang="en-US" dirty="0" err="1"/>
+              <a:t>kpi</a:t>
+            </a:r>
+            <a:r>
+              <a:rPr lang="en-US" dirty="0"/>
+              <a:t> is for Total </a:t>
+            </a:r>
+            <a:r>
+              <a:rPr lang="en-US" dirty="0" err="1"/>
+              <a:t>transaactions</a:t>
+            </a:r>
+            <a:endParaRPr lang="en-US" dirty="0"/>
+          </a:p>
+          <a:p>
+            <a:r>
+              <a:rPr lang="en-US" dirty="0"/>
+              <a:t>Fourth </a:t>
+            </a:r>
+            <a:r>
+              <a:rPr lang="en-US" dirty="0" err="1"/>
+              <a:t>kpi</a:t>
+            </a:r>
+            <a:r>
+              <a:rPr lang="en-US" dirty="0"/>
+              <a:t> is for Average of delivery time</a:t>
             </a:r>
           </a:p>
         </p:txBody>
@@ -3701,7 +3758,7 @@
     </p:spTree>
     <p:extLst>
       <p:ext uri="{BB962C8B-B14F-4D97-AF65-F5344CB8AC3E}">
-        <p14:creationId xmlns:p14="http://schemas.microsoft.com/office/powerpoint/2010/main" val="3782976994"/>
+        <p14:creationId xmlns:p14="http://schemas.microsoft.com/office/powerpoint/2010/main" val="1934747468"/>
       </p:ext>
     </p:extLst>
   </p:cSld>
@@ -3733,6 +3790,112 @@
           <p:cNvPr id="2" name="Title 1">
             <a:extLst>
               <a:ext uri="{FF2B5EF4-FFF2-40B4-BE49-F238E27FC236}">
+                <a16:creationId xmlns:a16="http://schemas.microsoft.com/office/drawing/2014/main" id="{954B60D2-2828-4F2D-BD6B-0A7DBA4EAC8C}"/>
+              </a:ext>
+            </a:extLst>
+          </p:cNvPr>
+          <p:cNvSpPr>
+            <a:spLocks noGrp="1"/>
+          </p:cNvSpPr>
+          <p:nvPr>
+            <p:ph type="title"/>
+          </p:nvPr>
+        </p:nvSpPr>
+        <p:spPr>
+          <a:xfrm>
+            <a:off x="838200" y="365125"/>
+            <a:ext cx="10515600" cy="986597"/>
+          </a:xfrm>
+        </p:spPr>
+        <p:txBody>
+          <a:bodyPr>
+            <a:normAutofit/>
+          </a:bodyPr>
+          <a:lstStyle/>
+          <a:p>
+            <a:pPr algn="ctr"/>
+            <a:r>
+              <a:rPr lang="en-US" sz="4000" b="1" dirty="0"/>
+              <a:t>SLICERS</a:t>
+            </a:r>
+          </a:p>
+        </p:txBody>
+      </p:sp>
+      <p:sp>
+        <p:nvSpPr>
+          <p:cNvPr id="3" name="Content Placeholder 2">
+            <a:extLst>
+              <a:ext uri="{FF2B5EF4-FFF2-40B4-BE49-F238E27FC236}">
+                <a16:creationId xmlns:a16="http://schemas.microsoft.com/office/drawing/2014/main" id="{2CEAA1DB-23EB-4C9F-A02F-B4DED6710B53}"/>
+              </a:ext>
+            </a:extLst>
+          </p:cNvPr>
+          <p:cNvSpPr>
+            <a:spLocks noGrp="1"/>
+          </p:cNvSpPr>
+          <p:nvPr>
+            <p:ph idx="1"/>
+          </p:nvPr>
+        </p:nvSpPr>
+        <p:spPr/>
+        <p:txBody>
+          <a:bodyPr/>
+          <a:lstStyle/>
+          <a:p>
+            <a:r>
+              <a:rPr lang="en-US" dirty="0"/>
+              <a:t>First slicer is for product name</a:t>
+            </a:r>
+          </a:p>
+          <a:p>
+            <a:r>
+              <a:rPr lang="en-US" dirty="0"/>
+              <a:t>Second slicer is for location</a:t>
+            </a:r>
+          </a:p>
+          <a:p>
+            <a:r>
+              <a:rPr lang="en-US" dirty="0"/>
+              <a:t>Third slicer is for gift wrap</a:t>
+            </a:r>
+          </a:p>
+        </p:txBody>
+      </p:sp>
+    </p:spTree>
+    <p:extLst>
+      <p:ext uri="{BB962C8B-B14F-4D97-AF65-F5344CB8AC3E}">
+        <p14:creationId xmlns:p14="http://schemas.microsoft.com/office/powerpoint/2010/main" val="3782976994"/>
+      </p:ext>
+    </p:extLst>
+  </p:cSld>
+  <p:clrMapOvr>
+    <a:masterClrMapping/>
+  </p:clrMapOvr>
+</p:sld>
+</file>
+
+<file path=ppt/slides/slide5.xml><?xml version="1.0" encoding="utf-8"?>
+<p:sld xmlns:a="http://schemas.openxmlformats.org/drawingml/2006/main" xmlns:r="http://schemas.openxmlformats.org/officeDocument/2006/relationships" xmlns:p="http://schemas.openxmlformats.org/presentationml/2006/main">
+  <p:cSld>
+    <p:spTree>
+      <p:nvGrpSpPr>
+        <p:cNvPr id="1" name=""/>
+        <p:cNvGrpSpPr/>
+        <p:nvPr/>
+      </p:nvGrpSpPr>
+      <p:grpSpPr>
+        <a:xfrm>
+          <a:off x="0" y="0"/>
+          <a:ext cx="0" cy="0"/>
+          <a:chOff x="0" y="0"/>
+          <a:chExt cx="0" cy="0"/>
+        </a:xfrm>
+      </p:grpSpPr>
+      <p:sp>
+        <p:nvSpPr>
+          <p:cNvPr id="2" name="Title 1">
+            <a:extLst>
+              <a:ext uri="{FF2B5EF4-FFF2-40B4-BE49-F238E27FC236}">
                 <a16:creationId xmlns:a16="http://schemas.microsoft.com/office/drawing/2014/main" id="{8C643BFB-750B-416B-BE50-4E47809033F7}"/>
               </a:ext>
             </a:extLst>
@@ -3830,7 +3993,73 @@
 </p:sld>
 </file>
 
-<file path=ppt/slides/slide5.xml><?xml version="1.0" encoding="utf-8"?>
+<file path=ppt/slides/slide6.xml><?xml version="1.0" encoding="utf-8"?>
+<p:sld xmlns:a="http://schemas.openxmlformats.org/drawingml/2006/main" xmlns:r="http://schemas.openxmlformats.org/officeDocument/2006/relationships" xmlns:p="http://schemas.openxmlformats.org/presentationml/2006/main">
+  <p:cSld>
+    <p:spTree>
+      <p:nvGrpSpPr>
+        <p:cNvPr id="1" name=""/>
+        <p:cNvGrpSpPr/>
+        <p:nvPr/>
+      </p:nvGrpSpPr>
+      <p:grpSpPr>
+        <a:xfrm>
+          <a:off x="0" y="0"/>
+          <a:ext cx="0" cy="0"/>
+          <a:chOff x="0" y="0"/>
+          <a:chExt cx="0" cy="0"/>
+        </a:xfrm>
+      </p:grpSpPr>
+      <p:pic>
+        <p:nvPicPr>
+          <p:cNvPr id="3" name="Picture 2">
+            <a:extLst>
+              <a:ext uri="{FF2B5EF4-FFF2-40B4-BE49-F238E27FC236}">
+                <a16:creationId xmlns:a16="http://schemas.microsoft.com/office/drawing/2014/main" id="{6C066BD3-32BD-46C3-B91D-EC9BA1F5CEE9}"/>
+              </a:ext>
+            </a:extLst>
+          </p:cNvPr>
+          <p:cNvPicPr>
+            <a:picLocks noChangeAspect="1"/>
+          </p:cNvPicPr>
+          <p:nvPr/>
+        </p:nvPicPr>
+        <p:blipFill>
+          <a:blip r:embed="rId2">
+            <a:extLst>
+              <a:ext uri="{28A0092B-C50C-407E-A947-70E740481C1C}">
+                <a14:useLocalDpi xmlns:a14="http://schemas.microsoft.com/office/drawing/2010/main" val="0"/>
+              </a:ext>
+            </a:extLst>
+          </a:blip>
+          <a:stretch>
+            <a:fillRect/>
+          </a:stretch>
+        </p:blipFill>
+        <p:spPr>
+          <a:xfrm>
+            <a:off x="365913" y="304800"/>
+            <a:ext cx="11460174" cy="6228521"/>
+          </a:xfrm>
+          <a:prstGeom prst="rect">
+            <a:avLst/>
+          </a:prstGeom>
+        </p:spPr>
+      </p:pic>
+    </p:spTree>
+    <p:extLst>
+      <p:ext uri="{BB962C8B-B14F-4D97-AF65-F5344CB8AC3E}">
+        <p14:creationId xmlns:p14="http://schemas.microsoft.com/office/powerpoint/2010/main" val="578360255"/>
+      </p:ext>
+    </p:extLst>
+  </p:cSld>
+  <p:clrMapOvr>
+    <a:masterClrMapping/>
+  </p:clrMapOvr>
+</p:sld>
+</file>
+
+<file path=ppt/slides/slide7.xml><?xml version="1.0" encoding="utf-8"?>
 <p:sld xmlns:a="http://schemas.openxmlformats.org/drawingml/2006/main" xmlns:r="http://schemas.openxmlformats.org/officeDocument/2006/relationships" xmlns:p="http://schemas.openxmlformats.org/presentationml/2006/main">
   <p:cSld>
     <p:spTree>
